--- a/resources/SIH 2022 Optimizers.pptx
+++ b/resources/SIH 2022 Optimizers.pptx
@@ -129,25 +129,33 @@
   <pc:docChgLst>
     <pc:chgData name="Kashif Raza" userId="065b9bf3baa4f7fb" providerId="LiveId" clId="{41939392-4076-4C5E-8DA7-F31BFAB1728A}"/>
     <pc:docChg chg="undo custSel modSld sldOrd modMainMaster">
-      <pc:chgData name="Kashif Raza" userId="065b9bf3baa4f7fb" providerId="LiveId" clId="{41939392-4076-4C5E-8DA7-F31BFAB1728A}" dt="2022-03-27T19:25:31.969" v="3864"/>
+      <pc:chgData name="Kashif Raza" userId="065b9bf3baa4f7fb" providerId="LiveId" clId="{41939392-4076-4C5E-8DA7-F31BFAB1728A}" dt="2022-03-28T18:39:13.170" v="4661" actId="113"/>
       <pc:docMkLst>
         <pc:docMk/>
       </pc:docMkLst>
-      <pc:sldChg chg="setBg">
-        <pc:chgData name="Kashif Raza" userId="065b9bf3baa4f7fb" providerId="LiveId" clId="{41939392-4076-4C5E-8DA7-F31BFAB1728A}" dt="2022-03-27T15:41:40.427" v="214"/>
+      <pc:sldChg chg="modSp mod setBg">
+        <pc:chgData name="Kashif Raza" userId="065b9bf3baa4f7fb" providerId="LiveId" clId="{41939392-4076-4C5E-8DA7-F31BFAB1728A}" dt="2022-03-28T18:39:13.170" v="4661" actId="113"/>
         <pc:sldMkLst>
           <pc:docMk/>
           <pc:sldMk cId="3571516367" sldId="258"/>
         </pc:sldMkLst>
+        <pc:spChg chg="mod">
+          <ac:chgData name="Kashif Raza" userId="065b9bf3baa4f7fb" providerId="LiveId" clId="{41939392-4076-4C5E-8DA7-F31BFAB1728A}" dt="2022-03-28T18:39:13.170" v="4661" actId="113"/>
+          <ac:spMkLst>
+            <pc:docMk/>
+            <pc:sldMk cId="3571516367" sldId="258"/>
+            <ac:spMk id="13" creationId="{22C15B6A-6ED1-433F-A3D1-0A2ADBFDD3F8}"/>
+          </ac:spMkLst>
+        </pc:spChg>
       </pc:sldChg>
       <pc:sldChg chg="addSp modSp mod">
-        <pc:chgData name="Kashif Raza" userId="065b9bf3baa4f7fb" providerId="LiveId" clId="{41939392-4076-4C5E-8DA7-F31BFAB1728A}" dt="2022-03-27T19:24:50.806" v="3842" actId="20577"/>
+        <pc:chgData name="Kashif Raza" userId="065b9bf3baa4f7fb" providerId="LiveId" clId="{41939392-4076-4C5E-8DA7-F31BFAB1728A}" dt="2022-03-28T18:04:49.215" v="4641" actId="1076"/>
         <pc:sldMkLst>
           <pc:docMk/>
           <pc:sldMk cId="1429429409" sldId="261"/>
         </pc:sldMkLst>
         <pc:spChg chg="mod">
-          <ac:chgData name="Kashif Raza" userId="065b9bf3baa4f7fb" providerId="LiveId" clId="{41939392-4076-4C5E-8DA7-F31BFAB1728A}" dt="2022-03-27T19:24:50.806" v="3842" actId="20577"/>
+          <ac:chgData name="Kashif Raza" userId="065b9bf3baa4f7fb" providerId="LiveId" clId="{41939392-4076-4C5E-8DA7-F31BFAB1728A}" dt="2022-03-28T17:54:27.111" v="4386" actId="20577"/>
           <ac:spMkLst>
             <pc:docMk/>
             <pc:sldMk cId="1429429409" sldId="261"/>
@@ -155,7 +163,7 @@
           </ac:spMkLst>
         </pc:spChg>
         <pc:spChg chg="mod">
-          <ac:chgData name="Kashif Raza" userId="065b9bf3baa4f7fb" providerId="LiveId" clId="{41939392-4076-4C5E-8DA7-F31BFAB1728A}" dt="2022-03-27T18:18:54.560" v="3358" actId="20577"/>
+          <ac:chgData name="Kashif Raza" userId="065b9bf3baa4f7fb" providerId="LiveId" clId="{41939392-4076-4C5E-8DA7-F31BFAB1728A}" dt="2022-03-28T17:57:36.129" v="4574" actId="113"/>
           <ac:spMkLst>
             <pc:docMk/>
             <pc:sldMk cId="1429429409" sldId="261"/>
@@ -170,15 +178,47 @@
             <ac:picMk id="3" creationId="{4504EA77-9B24-4BFD-BE58-B388F2FAA690}"/>
           </ac:picMkLst>
         </pc:picChg>
+        <pc:picChg chg="add mod">
+          <ac:chgData name="Kashif Raza" userId="065b9bf3baa4f7fb" providerId="LiveId" clId="{41939392-4076-4C5E-8DA7-F31BFAB1728A}" dt="2022-03-28T18:03:36.055" v="4627" actId="1076"/>
+          <ac:picMkLst>
+            <pc:docMk/>
+            <pc:sldMk cId="1429429409" sldId="261"/>
+            <ac:picMk id="4" creationId="{ED962C64-3034-4196-8BD6-6E32C02F7A39}"/>
+          </ac:picMkLst>
+        </pc:picChg>
+        <pc:picChg chg="add mod modCrop">
+          <ac:chgData name="Kashif Raza" userId="065b9bf3baa4f7fb" providerId="LiveId" clId="{41939392-4076-4C5E-8DA7-F31BFAB1728A}" dt="2022-03-28T18:04:36.921" v="4639" actId="1076"/>
+          <ac:picMkLst>
+            <pc:docMk/>
+            <pc:sldMk cId="1429429409" sldId="261"/>
+            <ac:picMk id="6" creationId="{92D103DD-AEE5-4034-AC0F-94BA79E54668}"/>
+          </ac:picMkLst>
+        </pc:picChg>
+        <pc:picChg chg="add mod">
+          <ac:chgData name="Kashif Raza" userId="065b9bf3baa4f7fb" providerId="LiveId" clId="{41939392-4076-4C5E-8DA7-F31BFAB1728A}" dt="2022-03-28T18:03:43.202" v="4629" actId="1076"/>
+          <ac:picMkLst>
+            <pc:docMk/>
+            <pc:sldMk cId="1429429409" sldId="261"/>
+            <ac:picMk id="12" creationId="{8962E64A-F2A8-42F9-9C51-04CF3AEB3216}"/>
+          </ac:picMkLst>
+        </pc:picChg>
+        <pc:picChg chg="add mod">
+          <ac:chgData name="Kashif Raza" userId="065b9bf3baa4f7fb" providerId="LiveId" clId="{41939392-4076-4C5E-8DA7-F31BFAB1728A}" dt="2022-03-28T18:04:49.215" v="4641" actId="1076"/>
+          <ac:picMkLst>
+            <pc:docMk/>
+            <pc:sldMk cId="1429429409" sldId="261"/>
+            <ac:picMk id="15" creationId="{00F931AE-C0D8-40CD-AF13-BD391C8EF3D9}"/>
+          </ac:picMkLst>
+        </pc:picChg>
       </pc:sldChg>
-      <pc:sldChg chg="addSp modSp mod ord">
-        <pc:chgData name="Kashif Raza" userId="065b9bf3baa4f7fb" providerId="LiveId" clId="{41939392-4076-4C5E-8DA7-F31BFAB1728A}" dt="2022-03-27T19:21:25.955" v="3382" actId="14100"/>
+      <pc:sldChg chg="addSp delSp modSp mod ord">
+        <pc:chgData name="Kashif Raza" userId="065b9bf3baa4f7fb" providerId="LiveId" clId="{41939392-4076-4C5E-8DA7-F31BFAB1728A}" dt="2022-03-28T18:02:52.318" v="4623" actId="1076"/>
         <pc:sldMkLst>
           <pc:docMk/>
           <pc:sldMk cId="2499682613" sldId="269"/>
         </pc:sldMkLst>
         <pc:spChg chg="mod">
-          <ac:chgData name="Kashif Raza" userId="065b9bf3baa4f7fb" providerId="LiveId" clId="{41939392-4076-4C5E-8DA7-F31BFAB1728A}" dt="2022-03-27T17:06:45.518" v="2196" actId="20577"/>
+          <ac:chgData name="Kashif Raza" userId="065b9bf3baa4f7fb" providerId="LiveId" clId="{41939392-4076-4C5E-8DA7-F31BFAB1728A}" dt="2022-03-28T17:56:12.818" v="4393" actId="5793"/>
           <ac:spMkLst>
             <pc:docMk/>
             <pc:sldMk cId="2499682613" sldId="269"/>
@@ -186,7 +226,7 @@
           </ac:spMkLst>
         </pc:spChg>
         <pc:spChg chg="mod">
-          <ac:chgData name="Kashif Raza" userId="065b9bf3baa4f7fb" providerId="LiveId" clId="{41939392-4076-4C5E-8DA7-F31BFAB1728A}" dt="2022-03-27T18:17:56.018" v="3356" actId="20577"/>
+          <ac:chgData name="Kashif Raza" userId="065b9bf3baa4f7fb" providerId="LiveId" clId="{41939392-4076-4C5E-8DA7-F31BFAB1728A}" dt="2022-03-28T17:55:35.260" v="4387" actId="1076"/>
           <ac:spMkLst>
             <pc:docMk/>
             <pc:sldMk cId="2499682613" sldId="269"/>
@@ -194,16 +234,104 @@
           </ac:spMkLst>
         </pc:spChg>
         <pc:picChg chg="add mod modCrop">
-          <ac:chgData name="Kashif Raza" userId="065b9bf3baa4f7fb" providerId="LiveId" clId="{41939392-4076-4C5E-8DA7-F31BFAB1728A}" dt="2022-03-27T19:21:25.955" v="3382" actId="14100"/>
+          <ac:chgData name="Kashif Raza" userId="065b9bf3baa4f7fb" providerId="LiveId" clId="{41939392-4076-4C5E-8DA7-F31BFAB1728A}" dt="2022-03-28T17:55:38.762" v="4388" actId="14100"/>
           <ac:picMkLst>
             <pc:docMk/>
             <pc:sldMk cId="2499682613" sldId="269"/>
             <ac:picMk id="3" creationId="{6E9A9CC5-BA61-4882-8250-61A7637EDA21}"/>
           </ac:picMkLst>
         </pc:picChg>
+        <pc:picChg chg="add mod modCrop">
+          <ac:chgData name="Kashif Raza" userId="065b9bf3baa4f7fb" providerId="LiveId" clId="{41939392-4076-4C5E-8DA7-F31BFAB1728A}" dt="2022-03-28T17:59:31.440" v="4596" actId="1076"/>
+          <ac:picMkLst>
+            <pc:docMk/>
+            <pc:sldMk cId="2499682613" sldId="269"/>
+            <ac:picMk id="4" creationId="{62B28CF1-5D1F-4A0B-A495-7F091E802F57}"/>
+          </ac:picMkLst>
+        </pc:picChg>
+        <pc:picChg chg="add mod modCrop">
+          <ac:chgData name="Kashif Raza" userId="065b9bf3baa4f7fb" providerId="LiveId" clId="{41939392-4076-4C5E-8DA7-F31BFAB1728A}" dt="2022-03-28T17:59:35.746" v="4597" actId="1076"/>
+          <ac:picMkLst>
+            <pc:docMk/>
+            <pc:sldMk cId="2499682613" sldId="269"/>
+            <ac:picMk id="6" creationId="{CB3DCB9C-2F9B-4869-A779-0D2A0A33937F}"/>
+          </ac:picMkLst>
+        </pc:picChg>
+        <pc:picChg chg="add mod">
+          <ac:chgData name="Kashif Raza" userId="065b9bf3baa4f7fb" providerId="LiveId" clId="{41939392-4076-4C5E-8DA7-F31BFAB1728A}" dt="2022-03-28T18:02:52.318" v="4623" actId="1076"/>
+          <ac:picMkLst>
+            <pc:docMk/>
+            <pc:sldMk cId="2499682613" sldId="269"/>
+            <ac:picMk id="30" creationId="{D975B131-C22E-40AD-ACBA-61BBD457C86E}"/>
+          </ac:picMkLst>
+        </pc:picChg>
+        <pc:inkChg chg="add del">
+          <ac:chgData name="Kashif Raza" userId="065b9bf3baa4f7fb" providerId="LiveId" clId="{41939392-4076-4C5E-8DA7-F31BFAB1728A}" dt="2022-03-28T17:59:54.330" v="4599" actId="9405"/>
+          <ac:inkMkLst>
+            <pc:docMk/>
+            <pc:sldMk cId="2499682613" sldId="269"/>
+            <ac:inkMk id="10" creationId="{468D0190-3687-45D6-B154-F1CF4BDFA1B3}"/>
+          </ac:inkMkLst>
+        </pc:inkChg>
+        <pc:inkChg chg="add del">
+          <ac:chgData name="Kashif Raza" userId="065b9bf3baa4f7fb" providerId="LiveId" clId="{41939392-4076-4C5E-8DA7-F31BFAB1728A}" dt="2022-03-28T17:59:56.727" v="4601" actId="9405"/>
+          <ac:inkMkLst>
+            <pc:docMk/>
+            <pc:sldMk cId="2499682613" sldId="269"/>
+            <ac:inkMk id="17" creationId="{0A454B04-A22B-4102-840B-834E60932CE9}"/>
+          </ac:inkMkLst>
+        </pc:inkChg>
+        <pc:inkChg chg="add del">
+          <ac:chgData name="Kashif Raza" userId="065b9bf3baa4f7fb" providerId="LiveId" clId="{41939392-4076-4C5E-8DA7-F31BFAB1728A}" dt="2022-03-28T18:00:00.198" v="4603" actId="9405"/>
+          <ac:inkMkLst>
+            <pc:docMk/>
+            <pc:sldMk cId="2499682613" sldId="269"/>
+            <ac:inkMk id="18" creationId="{99BC53ED-7D68-495E-88FA-F01010F77E44}"/>
+          </ac:inkMkLst>
+        </pc:inkChg>
+        <pc:inkChg chg="add del">
+          <ac:chgData name="Kashif Raza" userId="065b9bf3baa4f7fb" providerId="LiveId" clId="{41939392-4076-4C5E-8DA7-F31BFAB1728A}" dt="2022-03-28T18:00:07.226" v="4607" actId="9405"/>
+          <ac:inkMkLst>
+            <pc:docMk/>
+            <pc:sldMk cId="2499682613" sldId="269"/>
+            <ac:inkMk id="19" creationId="{D2F69FA6-8235-4AC0-B9A5-6506B1D61176}"/>
+          </ac:inkMkLst>
+        </pc:inkChg>
+        <pc:inkChg chg="add del">
+          <ac:chgData name="Kashif Raza" userId="065b9bf3baa4f7fb" providerId="LiveId" clId="{41939392-4076-4C5E-8DA7-F31BFAB1728A}" dt="2022-03-28T18:00:07.085" v="4606" actId="9405"/>
+          <ac:inkMkLst>
+            <pc:docMk/>
+            <pc:sldMk cId="2499682613" sldId="269"/>
+            <ac:inkMk id="20" creationId="{73FC2A76-75AA-43AC-8EB0-85B21A88FFAC}"/>
+          </ac:inkMkLst>
+        </pc:inkChg>
+        <pc:inkChg chg="add del">
+          <ac:chgData name="Kashif Raza" userId="065b9bf3baa4f7fb" providerId="LiveId" clId="{41939392-4076-4C5E-8DA7-F31BFAB1728A}" dt="2022-03-28T18:00:14.594" v="4609" actId="9405"/>
+          <ac:inkMkLst>
+            <pc:docMk/>
+            <pc:sldMk cId="2499682613" sldId="269"/>
+            <ac:inkMk id="21" creationId="{913281B2-9810-4F16-A349-9A458686A251}"/>
+          </ac:inkMkLst>
+        </pc:inkChg>
+        <pc:inkChg chg="add del">
+          <ac:chgData name="Kashif Raza" userId="065b9bf3baa4f7fb" providerId="LiveId" clId="{41939392-4076-4C5E-8DA7-F31BFAB1728A}" dt="2022-03-28T18:00:18.872" v="4611" actId="9405"/>
+          <ac:inkMkLst>
+            <pc:docMk/>
+            <pc:sldMk cId="2499682613" sldId="269"/>
+            <ac:inkMk id="22" creationId="{4DBC6F84-C8B0-4E14-BB63-B0F0A3993A70}"/>
+          </ac:inkMkLst>
+        </pc:inkChg>
+        <pc:cxnChg chg="add mod">
+          <ac:chgData name="Kashif Raza" userId="065b9bf3baa4f7fb" providerId="LiveId" clId="{41939392-4076-4C5E-8DA7-F31BFAB1728A}" dt="2022-03-28T18:00:58.655" v="4620" actId="13822"/>
+          <ac:cxnSpMkLst>
+            <pc:docMk/>
+            <pc:sldMk cId="2499682613" sldId="269"/>
+            <ac:cxnSpMk id="24" creationId="{651026CD-BA6A-4FA5-BAAE-95C968CA26C8}"/>
+          </ac:cxnSpMkLst>
+        </pc:cxnChg>
       </pc:sldChg>
       <pc:sldChg chg="modSp mod">
-        <pc:chgData name="Kashif Raza" userId="065b9bf3baa4f7fb" providerId="LiveId" clId="{41939392-4076-4C5E-8DA7-F31BFAB1728A}" dt="2022-03-27T19:25:31.969" v="3864"/>
+        <pc:chgData name="Kashif Raza" userId="065b9bf3baa4f7fb" providerId="LiveId" clId="{41939392-4076-4C5E-8DA7-F31BFAB1728A}" dt="2022-03-28T13:10:45.959" v="4007" actId="20577"/>
         <pc:sldMkLst>
           <pc:docMk/>
           <pc:sldMk cId="471081373" sldId="270"/>
@@ -214,6 +342,14 @@
             <pc:docMk/>
             <pc:sldMk cId="471081373" sldId="270"/>
             <ac:spMk id="11" creationId="{57FD5B8A-AFCB-45F9-BEDF-2B8B405576BE}"/>
+          </ac:spMkLst>
+        </pc:spChg>
+        <pc:spChg chg="mod">
+          <ac:chgData name="Kashif Raza" userId="065b9bf3baa4f7fb" providerId="LiveId" clId="{41939392-4076-4C5E-8DA7-F31BFAB1728A}" dt="2022-03-28T13:10:45.959" v="4007" actId="20577"/>
+          <ac:spMkLst>
+            <pc:docMk/>
+            <pc:sldMk cId="471081373" sldId="270"/>
+            <ac:spMk id="15" creationId="{D60047C4-4355-47F1-8922-4F66C7FD7832}"/>
           </ac:spMkLst>
         </pc:spChg>
       </pc:sldChg>
@@ -443,7 +579,7 @@
           <a:p>
             <a:fld id="{B56F32FC-4BD9-442A-A8C6-51598C909FE3}" type="datetimeFigureOut">
               <a:rPr lang="en-US" smtClean="0"/>
-              <a:t>3/27/2022</a:t>
+              <a:t>3/28/2022</a:t>
             </a:fld>
             <a:endParaRPr lang="en-US" dirty="0"/>
           </a:p>
@@ -620,7 +756,7 @@
           <a:p>
             <a:fld id="{056371FA-A98D-41E8-93F4-09945841298A}" type="datetimeFigureOut">
               <a:rPr lang="en-US" smtClean="0"/>
-              <a:t>3/27/2022</a:t>
+              <a:t>3/28/2022</a:t>
             </a:fld>
             <a:endParaRPr lang="en-US" dirty="0"/>
           </a:p>
@@ -9913,7 +10049,14 @@
           </a:p>
           <a:p>
             <a:pPr algn="ctr"/>
-            <a:endParaRPr lang="en-US" dirty="0"/>
+            <a:r>
+              <a:rPr lang="en-US" b="1" dirty="0">
+                <a:solidFill>
+                  <a:srgbClr val="1F8084"/>
+                </a:solidFill>
+              </a:rPr>
+              <a:t>U-0270</a:t>
+            </a:r>
           </a:p>
           <a:p>
             <a:r>
@@ -10168,7 +10311,7 @@
         <p:spPr>
           <a:xfrm>
             <a:off x="168676" y="784049"/>
-            <a:ext cx="6693763" cy="5816977"/>
+            <a:ext cx="6693763" cy="4339650"/>
           </a:xfrm>
           <a:prstGeom prst="rect">
             <a:avLst/>
@@ -10243,7 +10386,23 @@
                   <a:srgbClr val="1F8084"/>
                 </a:solidFill>
               </a:rPr>
-              <a:t>Sort the shown facilities as per the availability and rating shown in the website, by fetching data in real-time using an API.</a:t>
+              <a:t>Easy and simple to use application to scan the </a:t>
+            </a:r>
+            <a:r>
+              <a:rPr lang="en-IN" sz="1600" b="1" dirty="0">
+                <a:solidFill>
+                  <a:srgbClr val="1F8084"/>
+                </a:solidFill>
+              </a:rPr>
+              <a:t>QR-Code</a:t>
+            </a:r>
+            <a:r>
+              <a:rPr lang="en-IN" sz="1600" dirty="0">
+                <a:solidFill>
+                  <a:srgbClr val="1F8084"/>
+                </a:solidFill>
+              </a:rPr>
+              <a:t> provided at the organization and 2 steps token providing system</a:t>
             </a:r>
           </a:p>
           <a:p>
@@ -10285,20 +10444,6 @@
                   <a:srgbClr val="1F8084"/>
                 </a:solidFill>
               </a:rPr>
-              <a:t>User can message directly to the organization admin via integrated chat system.</a:t>
-            </a:r>
-          </a:p>
-          <a:p>
-            <a:pPr marL="285750" indent="-285750">
-              <a:buFont typeface="Wingdings" panose="05000000000000000000" pitchFamily="2" charset="2"/>
-              <a:buChar char="Ø"/>
-            </a:pPr>
-            <a:r>
-              <a:rPr lang="en-IN" sz="1600" dirty="0">
-                <a:solidFill>
-                  <a:srgbClr val="1F8084"/>
-                </a:solidFill>
-              </a:rPr>
               <a:t>After the </a:t>
             </a:r>
             <a:r>
@@ -10319,38 +10464,6 @@
             </a:r>
           </a:p>
           <a:p>
-            <a:pPr marL="285750" indent="-285750">
-              <a:buFont typeface="Wingdings" panose="05000000000000000000" pitchFamily="2" charset="2"/>
-              <a:buChar char="Ø"/>
-            </a:pPr>
-            <a:r>
-              <a:rPr lang="en-IN" sz="1600" dirty="0">
-                <a:solidFill>
-                  <a:srgbClr val="1F8084"/>
-                </a:solidFill>
-              </a:rPr>
-              <a:t>If somehow the user, missed his/her token then he/she will be given an option to reschedule it later.</a:t>
-            </a:r>
-          </a:p>
-          <a:p>
-            <a:pPr marL="285750" indent="-285750">
-              <a:buFont typeface="Wingdings" panose="05000000000000000000" pitchFamily="2" charset="2"/>
-              <a:buChar char="Ø"/>
-            </a:pPr>
-            <a:r>
-              <a:rPr lang="en-IN" sz="1600" dirty="0">
-                <a:solidFill>
-                  <a:srgbClr val="1F8084"/>
-                </a:solidFill>
-              </a:rPr>
-              <a:t>If user has registered, then he/she can see the history and logs for his or her previous appointments.</a:t>
-            </a:r>
-          </a:p>
-          <a:p>
-            <a:pPr marL="285750" indent="-285750">
-              <a:buFont typeface="Wingdings" panose="05000000000000000000" pitchFamily="2" charset="2"/>
-              <a:buChar char="Ø"/>
-            </a:pPr>
             <a:endParaRPr lang="en-IN" sz="1600" dirty="0">
               <a:solidFill>
                 <a:srgbClr val="1F8084"/>
@@ -10466,7 +10579,7 @@
         </p:nvSpPr>
         <p:spPr>
           <a:xfrm>
-            <a:off x="6968972" y="4121004"/>
+            <a:off x="7014691" y="4387334"/>
             <a:ext cx="5131292" cy="2062103"/>
           </a:xfrm>
           <a:prstGeom prst="rect">
@@ -10807,7 +10920,139 @@
         <p:spPr>
           <a:xfrm>
             <a:off x="6968972" y="702621"/>
-            <a:ext cx="5048039" cy="3245140"/>
+            <a:ext cx="5048039" cy="3567538"/>
+          </a:xfrm>
+          <a:prstGeom prst="rect">
+            <a:avLst/>
+          </a:prstGeom>
+        </p:spPr>
+      </p:pic>
+      <p:pic>
+        <p:nvPicPr>
+          <p:cNvPr id="4" name="Picture 3">
+            <a:extLst>
+              <a:ext uri="{FF2B5EF4-FFF2-40B4-BE49-F238E27FC236}">
+                <a16:creationId xmlns:a16="http://schemas.microsoft.com/office/drawing/2014/main" id="{62B28CF1-5D1F-4A0B-A495-7F091E802F57}"/>
+              </a:ext>
+            </a:extLst>
+          </p:cNvPr>
+          <p:cNvPicPr>
+            <a:picLocks noChangeAspect="1"/>
+          </p:cNvPicPr>
+          <p:nvPr/>
+        </p:nvPicPr>
+        <p:blipFill rotWithShape="1">
+          <a:blip r:embed="rId3"/>
+          <a:srcRect l="27778" t="14163" r="24884" b="13658"/>
+          <a:stretch/>
+        </p:blipFill>
+        <p:spPr>
+          <a:xfrm>
+            <a:off x="1414493" y="4892704"/>
+            <a:ext cx="931525" cy="1420368"/>
+          </a:xfrm>
+          <a:prstGeom prst="rect">
+            <a:avLst/>
+          </a:prstGeom>
+        </p:spPr>
+      </p:pic>
+      <p:pic>
+        <p:nvPicPr>
+          <p:cNvPr id="6" name="Picture 5">
+            <a:extLst>
+              <a:ext uri="{FF2B5EF4-FFF2-40B4-BE49-F238E27FC236}">
+                <a16:creationId xmlns:a16="http://schemas.microsoft.com/office/drawing/2014/main" id="{CB3DCB9C-2F9B-4869-A779-0D2A0A33937F}"/>
+              </a:ext>
+            </a:extLst>
+          </p:cNvPr>
+          <p:cNvPicPr>
+            <a:picLocks noChangeAspect="1"/>
+          </p:cNvPicPr>
+          <p:nvPr/>
+        </p:nvPicPr>
+        <p:blipFill rotWithShape="1">
+          <a:blip r:embed="rId4"/>
+          <a:srcRect l="7927" r="16703" b="9809"/>
+          <a:stretch/>
+        </p:blipFill>
+        <p:spPr>
+          <a:xfrm>
+            <a:off x="5029496" y="4730293"/>
+            <a:ext cx="994299" cy="1533275"/>
+          </a:xfrm>
+          <a:prstGeom prst="rect">
+            <a:avLst/>
+          </a:prstGeom>
+        </p:spPr>
+      </p:pic>
+      <p:cxnSp>
+        <p:nvCxnSpPr>
+          <p:cNvPr id="24" name="Connector: Curved 23">
+            <a:extLst>
+              <a:ext uri="{FF2B5EF4-FFF2-40B4-BE49-F238E27FC236}">
+                <a16:creationId xmlns:a16="http://schemas.microsoft.com/office/drawing/2014/main" id="{651026CD-BA6A-4FA5-BAAE-95C968CA26C8}"/>
+              </a:ext>
+            </a:extLst>
+          </p:cNvPr>
+          <p:cNvCxnSpPr>
+            <a:cxnSpLocks/>
+          </p:cNvCxnSpPr>
+          <p:nvPr/>
+        </p:nvCxnSpPr>
+        <p:spPr>
+          <a:xfrm flipV="1">
+            <a:off x="2346018" y="5291091"/>
+            <a:ext cx="2749765" cy="648070"/>
+          </a:xfrm>
+          <a:prstGeom prst="curvedConnector3">
+            <a:avLst>
+              <a:gd name="adj1" fmla="val 50000"/>
+            </a:avLst>
+          </a:prstGeom>
+          <a:ln>
+            <a:headEnd type="triangle"/>
+            <a:tailEnd type="triangle"/>
+          </a:ln>
+        </p:spPr>
+        <p:style>
+          <a:lnRef idx="1">
+            <a:schemeClr val="accent5"/>
+          </a:lnRef>
+          <a:fillRef idx="0">
+            <a:schemeClr val="accent5"/>
+          </a:fillRef>
+          <a:effectRef idx="0">
+            <a:schemeClr val="accent5"/>
+          </a:effectRef>
+          <a:fontRef idx="minor">
+            <a:schemeClr val="tx1"/>
+          </a:fontRef>
+        </p:style>
+      </p:cxnSp>
+      <p:pic>
+        <p:nvPicPr>
+          <p:cNvPr id="30" name="Picture 29">
+            <a:extLst>
+              <a:ext uri="{FF2B5EF4-FFF2-40B4-BE49-F238E27FC236}">
+                <a16:creationId xmlns:a16="http://schemas.microsoft.com/office/drawing/2014/main" id="{D975B131-C22E-40AD-ACBA-61BBD457C86E}"/>
+              </a:ext>
+            </a:extLst>
+          </p:cNvPr>
+          <p:cNvPicPr>
+            <a:picLocks noChangeAspect="1"/>
+          </p:cNvPicPr>
+          <p:nvPr/>
+        </p:nvPicPr>
+        <p:blipFill>
+          <a:blip r:embed="rId5"/>
+          <a:stretch>
+            <a:fillRect/>
+          </a:stretch>
+        </p:blipFill>
+        <p:spPr>
+          <a:xfrm>
+            <a:off x="5123853" y="5539387"/>
+            <a:ext cx="467378" cy="534564"/>
           </a:xfrm>
           <a:prstGeom prst="rect">
             <a:avLst/>
@@ -11045,7 +11290,7 @@
                   <a:srgbClr val="1F8084"/>
                 </a:solidFill>
               </a:rPr>
-              <a:t>Online-fee payment is also be there is some institute requires amount to get token/ appointment. </a:t>
+              <a:t>The QR Code can be verified by the organization through scanning as well</a:t>
             </a:r>
           </a:p>
         </p:txBody>
@@ -11065,7 +11310,7 @@
         <p:spPr>
           <a:xfrm>
             <a:off x="6359562" y="1011219"/>
-            <a:ext cx="5548353" cy="5355312"/>
+            <a:ext cx="5548353" cy="5078313"/>
           </a:xfrm>
           <a:prstGeom prst="rect">
             <a:avLst/>
@@ -11116,7 +11361,7 @@
                   <a:srgbClr val="1F8084"/>
                 </a:solidFill>
               </a:rPr>
-              <a:t>Feature to get token even before the start time of any organization if organization has permitted for early bookings.</a:t>
+              <a:t>System of QR-Code to be scanned by any QR scanner to get the token registered on a click.</a:t>
             </a:r>
           </a:p>
           <a:p>
@@ -11167,12 +11412,12 @@
               <a:buChar char="Ø"/>
             </a:pPr>
             <a:r>
-              <a:rPr lang="en-IN" dirty="0">
+              <a:rPr lang="en-IN" b="1" i="1" dirty="0">
                 <a:solidFill>
                   <a:srgbClr val="1F8084"/>
                 </a:solidFill>
               </a:rPr>
-              <a:t>Feature to switch tokens from a known user due to any circumstances by providing the token id and personal details of that person (authorization required by the other user).</a:t>
+              <a:t>This system will be completely generic and not only used by hospitals but is being created to be used by any organization where there is problem of queue.</a:t>
             </a:r>
           </a:p>
         </p:txBody>
@@ -11251,6 +11496,124 @@
           <a:xfrm>
             <a:off x="631610" y="3364574"/>
             <a:ext cx="5464390" cy="2991776"/>
+          </a:xfrm>
+          <a:prstGeom prst="rect">
+            <a:avLst/>
+          </a:prstGeom>
+        </p:spPr>
+      </p:pic>
+      <p:pic>
+        <p:nvPicPr>
+          <p:cNvPr id="4" name="Picture 3">
+            <a:extLst>
+              <a:ext uri="{FF2B5EF4-FFF2-40B4-BE49-F238E27FC236}">
+                <a16:creationId xmlns:a16="http://schemas.microsoft.com/office/drawing/2014/main" id="{ED962C64-3034-4196-8BD6-6E32C02F7A39}"/>
+              </a:ext>
+            </a:extLst>
+          </p:cNvPr>
+          <p:cNvPicPr>
+            <a:picLocks noChangeAspect="1"/>
+          </p:cNvPicPr>
+          <p:nvPr/>
+        </p:nvPicPr>
+        <p:blipFill>
+          <a:blip r:embed="rId3"/>
+          <a:stretch>
+            <a:fillRect/>
+          </a:stretch>
+        </p:blipFill>
+        <p:spPr>
+          <a:xfrm>
+            <a:off x="34086" y="3319543"/>
+            <a:ext cx="667924" cy="841223"/>
+          </a:xfrm>
+          <a:prstGeom prst="rect">
+            <a:avLst/>
+          </a:prstGeom>
+        </p:spPr>
+      </p:pic>
+      <p:pic>
+        <p:nvPicPr>
+          <p:cNvPr id="12" name="Picture 11">
+            <a:extLst>
+              <a:ext uri="{FF2B5EF4-FFF2-40B4-BE49-F238E27FC236}">
+                <a16:creationId xmlns:a16="http://schemas.microsoft.com/office/drawing/2014/main" id="{8962E64A-F2A8-42F9-9C51-04CF3AEB3216}"/>
+              </a:ext>
+            </a:extLst>
+          </p:cNvPr>
+          <p:cNvPicPr>
+            <a:picLocks noChangeAspect="1"/>
+          </p:cNvPicPr>
+          <p:nvPr/>
+        </p:nvPicPr>
+        <p:blipFill>
+          <a:blip r:embed="rId3"/>
+          <a:stretch>
+            <a:fillRect/>
+          </a:stretch>
+        </p:blipFill>
+        <p:spPr>
+          <a:xfrm>
+            <a:off x="34086" y="5005558"/>
+            <a:ext cx="667924" cy="841223"/>
+          </a:xfrm>
+          <a:prstGeom prst="rect">
+            <a:avLst/>
+          </a:prstGeom>
+        </p:spPr>
+      </p:pic>
+      <p:pic>
+        <p:nvPicPr>
+          <p:cNvPr id="6" name="Picture 5">
+            <a:extLst>
+              <a:ext uri="{FF2B5EF4-FFF2-40B4-BE49-F238E27FC236}">
+                <a16:creationId xmlns:a16="http://schemas.microsoft.com/office/drawing/2014/main" id="{92D103DD-AEE5-4034-AC0F-94BA79E54668}"/>
+              </a:ext>
+            </a:extLst>
+          </p:cNvPr>
+          <p:cNvPicPr>
+            <a:picLocks noChangeAspect="1"/>
+          </p:cNvPicPr>
+          <p:nvPr/>
+        </p:nvPicPr>
+        <p:blipFill rotWithShape="1">
+          <a:blip r:embed="rId4"/>
+          <a:srcRect l="26095" t="14681" r="25361" b="21295"/>
+          <a:stretch/>
+        </p:blipFill>
+        <p:spPr>
+          <a:xfrm>
+            <a:off x="1634165" y="4264646"/>
+            <a:ext cx="301167" cy="397211"/>
+          </a:xfrm>
+          <a:prstGeom prst="rect">
+            <a:avLst/>
+          </a:prstGeom>
+        </p:spPr>
+      </p:pic>
+      <p:pic>
+        <p:nvPicPr>
+          <p:cNvPr id="15" name="Picture 14">
+            <a:extLst>
+              <a:ext uri="{FF2B5EF4-FFF2-40B4-BE49-F238E27FC236}">
+                <a16:creationId xmlns:a16="http://schemas.microsoft.com/office/drawing/2014/main" id="{00F931AE-C0D8-40CD-AF13-BD391C8EF3D9}"/>
+              </a:ext>
+            </a:extLst>
+          </p:cNvPr>
+          <p:cNvPicPr>
+            <a:picLocks noChangeAspect="1"/>
+          </p:cNvPicPr>
+          <p:nvPr/>
+        </p:nvPicPr>
+        <p:blipFill rotWithShape="1">
+          <a:blip r:embed="rId4"/>
+          <a:srcRect l="26095" t="14681" r="25361" b="21295"/>
+          <a:stretch/>
+        </p:blipFill>
+        <p:spPr>
+          <a:xfrm>
+            <a:off x="1625287" y="5738018"/>
+            <a:ext cx="301167" cy="397211"/>
           </a:xfrm>
           <a:prstGeom prst="rect">
             <a:avLst/>
@@ -11772,7 +12135,7 @@
         <p:spPr>
           <a:xfrm flipH="1">
             <a:off x="427460" y="4742995"/>
-            <a:ext cx="8981540" cy="1200329"/>
+            <a:ext cx="11415352" cy="1200329"/>
           </a:xfrm>
           <a:prstGeom prst="rect">
             <a:avLst/>
@@ -11791,14 +12154,14 @@
                   <a:srgbClr val="1F8084"/>
                 </a:solidFill>
               </a:rPr>
-              <a:t>Team Mentor 1 Name: Mr/Mrs XYZ</a:t>
+              <a:t>Team Mentor 1 Name: Prof. Vaibhav Neema</a:t>
             </a:r>
           </a:p>
           <a:p>
             <a:pPr algn="just"/>
             <a:r>
               <a:rPr lang="en-IN" dirty="0"/>
-              <a:t>Category: Academics	Expertise: 	Domain Experience: XY Years</a:t>
+              <a:t>Category: Academics	Expertise: VLSI/ CMOS				Domain Experience: 20 Years</a:t>
             </a:r>
           </a:p>
           <a:p>
@@ -11808,14 +12171,14 @@
                   <a:srgbClr val="1F8084"/>
                 </a:solidFill>
               </a:rPr>
-              <a:t>Team Mentor 2 Name: Mr/Mrs XYZ</a:t>
+              <a:t>Team Mentor 2 Name: Mr. Govind Chaudhary</a:t>
             </a:r>
           </a:p>
           <a:p>
             <a:pPr algn="just"/>
             <a:r>
               <a:rPr lang="en-IN" dirty="0"/>
-              <a:t>Category: Industry	Expertise: 	Domain Experience: XY Years</a:t>
+              <a:t>Category: Industry	Expertise: Software Engineering/ Backend Dev.	Domain Experience: 03 Years</a:t>
             </a:r>
           </a:p>
         </p:txBody>
@@ -12931,11 +13294,18 @@
 <file path=customXml/itemProps1.xml><?xml version="1.0" encoding="utf-8"?>
 <ds:datastoreItem xmlns:ds="http://schemas.openxmlformats.org/officeDocument/2006/customXml" ds:itemID="{29C43685-694E-4579-B109-3C418D49DA65}">
   <ds:schemaRefs>
-    <ds:schemaRef ds:uri="http://schemas.microsoft.com/office/2006/metadata/properties"/>
     <ds:schemaRef ds:uri="http://schemas.microsoft.com/office/infopath/2007/PartnerControls"/>
-    <ds:schemaRef ds:uri="http://schemas.microsoft.com/sharepoint/v3"/>
+    <ds:schemaRef ds:uri="http://purl.org/dc/elements/1.1/"/>
+    <ds:schemaRef ds:uri="http://www.w3.org/XML/1998/namespace"/>
+    <ds:schemaRef ds:uri="http://purl.org/dc/dcmitype/"/>
+    <ds:schemaRef ds:uri="http://purl.org/dc/terms/"/>
+    <ds:schemaRef ds:uri="http://schemas.microsoft.com/office/2006/documentManagement/types"/>
+    <ds:schemaRef ds:uri="http://schemas.openxmlformats.org/package/2006/metadata/core-properties"/>
     <ds:schemaRef ds:uri="71af3243-3dd4-4a8d-8c0d-dd76da1f02a5"/>
     <ds:schemaRef ds:uri="230e9df3-be65-4c73-a93b-d1236ebd677e"/>
+    <ds:schemaRef ds:uri="16c05727-aa75-4e4a-9b5f-8a80a1165891"/>
+    <ds:schemaRef ds:uri="http://schemas.microsoft.com/sharepoint/v3"/>
+    <ds:schemaRef ds:uri="http://schemas.microsoft.com/office/2006/metadata/properties"/>
   </ds:schemaRefs>
 </ds:datastoreItem>
 </file>
